--- a/zd7_V4_NikitinSemen/Publication/zd7_V4_NikitinSemen_Публикация.pptx
+++ b/zd7_V4_NikitinSemen/Publication/zd7_V4_NikitinSemen_Публикация.pptx
@@ -5,9 +5,9 @@
     <p:sldMasterId id="2147483648" r:id="rId1"/>
   </p:sldMasterIdLst>
   <p:sldIdLst>
-    <p:sldId id="256" r:id="rId2"/>
-    <p:sldId id="257" r:id="rId3"/>
-    <p:sldId id="258" r:id="rId4"/>
+    <p:sldId id="261" r:id="rId2"/>
+    <p:sldId id="256" r:id="rId3"/>
+    <p:sldId id="257" r:id="rId4"/>
     <p:sldId id="259" r:id="rId5"/>
     <p:sldId id="260" r:id="rId6"/>
   </p:sldIdLst>
@@ -3332,6 +3332,117 @@
       </p:grpSpPr>
       <p:sp>
         <p:nvSpPr>
+          <p:cNvPr id="5" name="Заголовок 1">
+            <a:extLst>
+              <a:ext uri="{FF2B5EF4-FFF2-40B4-BE49-F238E27FC236}">
+                <a16:creationId xmlns:a16="http://schemas.microsoft.com/office/drawing/2014/main" id="{B4AA0477-58D6-4F25-BDAA-520D06207115}"/>
+              </a:ext>
+            </a:extLst>
+          </p:cNvPr>
+          <p:cNvSpPr>
+            <a:spLocks noGrp="1"/>
+          </p:cNvSpPr>
+          <p:nvPr>
+            <p:ph type="ctrTitle"/>
+          </p:nvPr>
+        </p:nvSpPr>
+        <p:spPr>
+          <a:xfrm>
+            <a:off x="1524000" y="1122363"/>
+            <a:ext cx="9144000" cy="2387600"/>
+          </a:xfrm>
+        </p:spPr>
+        <p:txBody>
+          <a:bodyPr>
+            <a:normAutofit/>
+          </a:bodyPr>
+          <a:lstStyle/>
+          <a:p>
+            <a:r>
+              <a:rPr lang="ru-RU" sz="4000" dirty="0"/>
+              <a:t>Разработка мобильного приложения для</a:t>
+            </a:r>
+            <a:br>
+              <a:rPr lang="en-US" sz="4000" dirty="0"/>
+            </a:br>
+            <a:r>
+              <a:rPr lang="ru-RU" sz="4000" dirty="0"/>
+              <a:t>«Турфирма»</a:t>
+            </a:r>
+          </a:p>
+        </p:txBody>
+      </p:sp>
+      <p:sp>
+        <p:nvSpPr>
+          <p:cNvPr id="7" name="Подзаголовок 2">
+            <a:extLst>
+              <a:ext uri="{FF2B5EF4-FFF2-40B4-BE49-F238E27FC236}">
+                <a16:creationId xmlns:a16="http://schemas.microsoft.com/office/drawing/2014/main" id="{B588A479-2226-431F-B1E0-5ED81FE37EC0}"/>
+              </a:ext>
+            </a:extLst>
+          </p:cNvPr>
+          <p:cNvSpPr>
+            <a:spLocks noGrp="1"/>
+          </p:cNvSpPr>
+          <p:nvPr>
+            <p:ph type="subTitle" idx="1"/>
+          </p:nvPr>
+        </p:nvSpPr>
+        <p:spPr>
+          <a:xfrm>
+            <a:off x="5883966" y="5667513"/>
+            <a:ext cx="9144000" cy="1655762"/>
+          </a:xfrm>
+        </p:spPr>
+        <p:txBody>
+          <a:bodyPr/>
+          <a:lstStyle/>
+          <a:p>
+            <a:r>
+              <a:rPr lang="ru-RU" dirty="0"/>
+              <a:t>Выполнил: Никитин С.А.</a:t>
+            </a:r>
+          </a:p>
+          <a:p>
+            <a:r>
+              <a:rPr lang="ru-RU" dirty="0"/>
+              <a:t>Студент группы: Пр-31</a:t>
+            </a:r>
+          </a:p>
+        </p:txBody>
+      </p:sp>
+    </p:spTree>
+    <p:extLst>
+      <p:ext uri="{BB962C8B-B14F-4D97-AF65-F5344CB8AC3E}">
+        <p14:creationId xmlns:p14="http://schemas.microsoft.com/office/powerpoint/2010/main" val="3954132243"/>
+      </p:ext>
+    </p:extLst>
+  </p:cSld>
+  <p:clrMapOvr>
+    <a:masterClrMapping/>
+  </p:clrMapOvr>
+</p:sld>
+</file>
+
+<file path=ppt/slides/slide2.xml><?xml version="1.0" encoding="utf-8"?>
+<p:sld xmlns:a="http://schemas.openxmlformats.org/drawingml/2006/main" xmlns:r="http://schemas.openxmlformats.org/officeDocument/2006/relationships" xmlns:p="http://schemas.openxmlformats.org/presentationml/2006/main">
+  <p:cSld>
+    <p:spTree>
+      <p:nvGrpSpPr>
+        <p:cNvPr id="1" name=""/>
+        <p:cNvGrpSpPr/>
+        <p:nvPr/>
+      </p:nvGrpSpPr>
+      <p:grpSpPr>
+        <a:xfrm>
+          <a:off x="0" y="0"/>
+          <a:ext cx="0" cy="0"/>
+          <a:chOff x="0" y="0"/>
+          <a:chExt cx="0" cy="0"/>
+        </a:xfrm>
+      </p:grpSpPr>
+      <p:sp>
+        <p:nvSpPr>
           <p:cNvPr id="4" name="TextBox 3">
             <a:extLst>
               <a:ext uri="{FF2B5EF4-FFF2-40B4-BE49-F238E27FC236}">
@@ -3642,19 +3753,8 @@
                 <a:latin typeface="Times New Roman" panose="02020603050405020304" pitchFamily="18" charset="0"/>
                 <a:cs typeface="Times New Roman" panose="02020603050405020304" pitchFamily="18" charset="0"/>
               </a:rPr>
-              <a:t>Экран </a:t>
-            </a:r>
-            <a:r>
-              <a:rPr lang="ru-RU" dirty="0" smtClean="0">
-                <a:latin typeface="Times New Roman" panose="02020603050405020304" pitchFamily="18" charset="0"/>
-                <a:cs typeface="Times New Roman" panose="02020603050405020304" pitchFamily="18" charset="0"/>
-              </a:rPr>
-              <a:t>4</a:t>
-            </a:r>
-            <a:endParaRPr lang="ru-RU" dirty="0">
-              <a:latin typeface="Times New Roman" panose="02020603050405020304" pitchFamily="18" charset="0"/>
-              <a:cs typeface="Times New Roman" panose="02020603050405020304" pitchFamily="18" charset="0"/>
-            </a:endParaRPr>
+              <a:t>Экран 4</a:t>
+            </a:r>
           </a:p>
         </p:txBody>
       </p:sp>
@@ -3787,7 +3887,7 @@
 </p:sld>
 </file>
 
-<file path=ppt/slides/slide2.xml><?xml version="1.0" encoding="utf-8"?>
+<file path=ppt/slides/slide3.xml><?xml version="1.0" encoding="utf-8"?>
 <p:sld xmlns:a="http://schemas.openxmlformats.org/drawingml/2006/main" xmlns:r="http://schemas.openxmlformats.org/officeDocument/2006/relationships" xmlns:p="http://schemas.openxmlformats.org/presentationml/2006/main">
   <p:cSld>
     <p:spTree>
@@ -3883,74 +3983,6 @@
 </p:sld>
 </file>
 
-<file path=ppt/slides/slide3.xml><?xml version="1.0" encoding="utf-8"?>
-<p:sld xmlns:a="http://schemas.openxmlformats.org/drawingml/2006/main" xmlns:r="http://schemas.openxmlformats.org/officeDocument/2006/relationships" xmlns:p="http://schemas.openxmlformats.org/presentationml/2006/main">
-  <p:cSld>
-    <p:spTree>
-      <p:nvGrpSpPr>
-        <p:cNvPr id="1" name=""/>
-        <p:cNvGrpSpPr/>
-        <p:nvPr/>
-      </p:nvGrpSpPr>
-      <p:grpSpPr>
-        <a:xfrm>
-          <a:off x="0" y="0"/>
-          <a:ext cx="0" cy="0"/>
-          <a:chOff x="0" y="0"/>
-          <a:chExt cx="0" cy="0"/>
-        </a:xfrm>
-      </p:grpSpPr>
-      <p:sp>
-        <p:nvSpPr>
-          <p:cNvPr id="2" name="TextBox 1">
-            <a:extLst>
-              <a:ext uri="{FF2B5EF4-FFF2-40B4-BE49-F238E27FC236}">
-                <a16:creationId xmlns:a16="http://schemas.microsoft.com/office/drawing/2014/main" id="{C49F4E51-EF62-13AB-584D-ACD33E0DA479}"/>
-              </a:ext>
-            </a:extLst>
-          </p:cNvPr>
-          <p:cNvSpPr txBox="1"/>
-          <p:nvPr/>
-        </p:nvSpPr>
-        <p:spPr>
-          <a:xfrm>
-            <a:off x="3887158" y="355600"/>
-            <a:ext cx="4417684" cy="646331"/>
-          </a:xfrm>
-          <a:prstGeom prst="rect">
-            <a:avLst/>
-          </a:prstGeom>
-          <a:noFill/>
-        </p:spPr>
-        <p:txBody>
-          <a:bodyPr wrap="none" rtlCol="0">
-            <a:spAutoFit/>
-          </a:bodyPr>
-          <a:lstStyle/>
-          <a:p>
-            <a:r>
-              <a:rPr lang="ru-RU" sz="3600" dirty="0">
-                <a:latin typeface="Times New Roman" panose="02020603050405020304" pitchFamily="18" charset="0"/>
-                <a:cs typeface="Times New Roman" panose="02020603050405020304" pitchFamily="18" charset="0"/>
-              </a:rPr>
-              <a:t>Производительность:</a:t>
-            </a:r>
-          </a:p>
-        </p:txBody>
-      </p:sp>
-    </p:spTree>
-    <p:extLst>
-      <p:ext uri="{BB962C8B-B14F-4D97-AF65-F5344CB8AC3E}">
-        <p14:creationId xmlns:p14="http://schemas.microsoft.com/office/powerpoint/2010/main" val="1688105202"/>
-      </p:ext>
-    </p:extLst>
-  </p:cSld>
-  <p:clrMapOvr>
-    <a:masterClrMapping/>
-  </p:clrMapOvr>
-</p:sld>
-</file>
-
 <file path=ppt/slides/slide4.xml><?xml version="1.0" encoding="utf-8"?>
 <p:sld xmlns:a="http://schemas.openxmlformats.org/drawingml/2006/main" xmlns:r="http://schemas.openxmlformats.org/officeDocument/2006/relationships" xmlns:p="http://schemas.openxmlformats.org/presentationml/2006/main">
   <p:cSld>
@@ -4070,8 +4102,55 @@
         </p:blipFill>
         <p:spPr bwMode="auto">
           <a:xfrm>
-            <a:off x="4553197" y="4156563"/>
+            <a:off x="2140197" y="4156563"/>
             <a:ext cx="3085603" cy="1818765"/>
+          </a:xfrm>
+          <a:prstGeom prst="rect">
+            <a:avLst/>
+          </a:prstGeom>
+          <a:noFill/>
+          <a:extLst>
+            <a:ext uri="{909E8E84-426E-40DD-AFC4-6F175D3DCCD1}">
+              <a14:hiddenFill xmlns:a14="http://schemas.microsoft.com/office/drawing/2010/main">
+                <a:solidFill>
+                  <a:srgbClr val="FFFFFF"/>
+                </a:solidFill>
+              </a14:hiddenFill>
+            </a:ext>
+          </a:extLst>
+        </p:spPr>
+      </p:pic>
+      <p:pic>
+        <p:nvPicPr>
+          <p:cNvPr id="5" name="Picture 8" descr="Xamarin — Википедия">
+            <a:extLst>
+              <a:ext uri="{FF2B5EF4-FFF2-40B4-BE49-F238E27FC236}">
+                <a16:creationId xmlns:a16="http://schemas.microsoft.com/office/drawing/2014/main" id="{F5873B1A-5579-4EB4-B1AE-DE2A10BDB603}"/>
+              </a:ext>
+            </a:extLst>
+          </p:cNvPr>
+          <p:cNvPicPr>
+            <a:picLocks noChangeAspect="1" noChangeArrowheads="1"/>
+          </p:cNvPicPr>
+          <p:nvPr/>
+        </p:nvPicPr>
+        <p:blipFill>
+          <a:blip r:embed="rId4">
+            <a:extLst>
+              <a:ext uri="{28A0092B-C50C-407E-A947-70E740481C1C}">
+                <a14:useLocalDpi xmlns:a14="http://schemas.microsoft.com/office/drawing/2010/main" val="0"/>
+              </a:ext>
+            </a:extLst>
+          </a:blip>
+          <a:srcRect/>
+          <a:stretch>
+            <a:fillRect/>
+          </a:stretch>
+        </p:blipFill>
+        <p:spPr bwMode="auto">
+          <a:xfrm>
+            <a:off x="4414243" y="3612033"/>
+            <a:ext cx="6937159" cy="2907826"/>
           </a:xfrm>
           <a:prstGeom prst="rect">
             <a:avLst/>
@@ -4276,7 +4355,7 @@
                     <a:lstStyle/>
                     <a:p>
                       <a:r>
-                        <a:rPr lang="en-US" sz="1200" kern="1200" dirty="0" smtClean="0">
+                        <a:rPr lang="en-US" sz="1200" kern="1200" dirty="0">
                           <a:solidFill>
                             <a:schemeClr val="dk1"/>
                           </a:solidFill>
@@ -4288,7 +4367,7 @@
                       </a:r>
                     </a:p>
                     <a:p>
-                      <a:endParaRPr lang="ru-RU" sz="1200" kern="1200" dirty="0" smtClean="0">
+                      <a:endParaRPr lang="ru-RU" sz="1200" kern="1200" dirty="0">
                         <a:solidFill>
                           <a:schemeClr val="dk1"/>
                         </a:solidFill>
@@ -4323,7 +4402,7 @@
                         <a:defRPr/>
                       </a:pPr>
                       <a:r>
-                        <a:rPr lang="ru-RU" sz="1200" kern="1200" dirty="0" smtClean="0">
+                        <a:rPr lang="ru-RU" sz="1200" kern="1200" dirty="0">
                           <a:solidFill>
                             <a:schemeClr val="dk1"/>
                           </a:solidFill>
@@ -4334,7 +4413,7 @@
                         <a:t>Является одной из основных библиотек, предоставляющих базовые классы и функциональность для разработки приложений. Она включает в себя множество классов и методов, которые обеспечивают: основные типы данных</a:t>
                       </a:r>
                       <a:r>
-                        <a:rPr lang="en-US" sz="1200" kern="1200" dirty="0" smtClean="0">
+                        <a:rPr lang="en-US" sz="1200" kern="1200" dirty="0">
                           <a:solidFill>
                             <a:schemeClr val="dk1"/>
                           </a:solidFill>
@@ -4345,7 +4424,7 @@
                         <a:t>,</a:t>
                       </a:r>
                       <a:r>
-                        <a:rPr lang="ru-RU" sz="1200" kern="1200" dirty="0" smtClean="0">
+                        <a:rPr lang="ru-RU" sz="1200" kern="1200" dirty="0">
                           <a:solidFill>
                             <a:schemeClr val="dk1"/>
                           </a:solidFill>
@@ -4356,7 +4435,7 @@
                         <a:t> управление памятью</a:t>
                       </a:r>
                       <a:r>
-                        <a:rPr lang="en-US" sz="1200" kern="1200" dirty="0" smtClean="0">
+                        <a:rPr lang="en-US" sz="1200" kern="1200" dirty="0">
                           <a:solidFill>
                             <a:schemeClr val="dk1"/>
                           </a:solidFill>
@@ -4367,7 +4446,7 @@
                         <a:t>,</a:t>
                       </a:r>
                       <a:r>
-                        <a:rPr lang="ru-RU" sz="1200" kern="1200" dirty="0" smtClean="0">
+                        <a:rPr lang="ru-RU" sz="1200" kern="1200" dirty="0">
                           <a:solidFill>
                             <a:schemeClr val="dk1"/>
                           </a:solidFill>
@@ -4421,7 +4500,7 @@
                     <a:lstStyle/>
                     <a:p>
                       <a:r>
-                        <a:rPr lang="en-US" sz="1400" kern="1200" dirty="0" smtClean="0">
+                        <a:rPr lang="en-US" sz="1400" kern="1200" dirty="0">
                           <a:solidFill>
                             <a:schemeClr val="dk1"/>
                           </a:solidFill>
@@ -4433,7 +4512,7 @@
                         <a:t>using </a:t>
                       </a:r>
                       <a:r>
-                        <a:rPr lang="en-US" sz="1400" kern="1200" dirty="0" err="1" smtClean="0">
+                        <a:rPr lang="en-US" sz="1400" kern="1200" dirty="0" err="1">
                           <a:solidFill>
                             <a:schemeClr val="dk1"/>
                           </a:solidFill>
@@ -4445,7 +4524,7 @@
                         <a:t>System.Collections.Generic</a:t>
                       </a:r>
                       <a:r>
-                        <a:rPr lang="en-US" sz="1400" kern="1200" dirty="0" smtClean="0">
+                        <a:rPr lang="en-US" sz="1400" kern="1200" dirty="0">
                           <a:solidFill>
                             <a:schemeClr val="dk1"/>
                           </a:solidFill>
@@ -4456,393 +4535,6 @@
                         </a:rPr>
                         <a:t>;</a:t>
                       </a:r>
-                      <a:endParaRPr lang="en-US" sz="1400" kern="1200" dirty="0" smtClean="0">
-                        <a:solidFill>
-                          <a:schemeClr val="dk1"/>
-                        </a:solidFill>
-                        <a:effectLst/>
-                        <a:latin typeface="+mn-lt"/>
-                        <a:ea typeface="+mn-ea"/>
-                        <a:cs typeface="+mn-cs"/>
-                      </a:endParaRPr>
-                    </a:p>
-                  </a:txBody>
-                  <a:tcPr/>
-                </a:tc>
-                <a:tc>
-                  <a:txBody>
-                    <a:bodyPr/>
-                    <a:lstStyle/>
-                    <a:p>
-                      <a:r>
-                        <a:rPr lang="ru-RU" sz="1200" kern="1200" dirty="0" smtClean="0">
-                          <a:solidFill>
-                            <a:schemeClr val="dk1"/>
-                          </a:solidFill>
-                          <a:latin typeface="+mn-lt"/>
-                          <a:ea typeface="+mn-ea"/>
-                          <a:cs typeface="+mn-cs"/>
-                        </a:rPr>
-                        <a:t>Представляет набор обобщенных коллекций, которые позволяют разработчикам создавать строго типизированные коллекции. Это пространство имен включает в себя интерфейсы и классы</a:t>
-                      </a:r>
-                      <a:endParaRPr lang="ru-RU" sz="1200" kern="1200" dirty="0">
-                        <a:solidFill>
-                          <a:schemeClr val="dk1"/>
-                        </a:solidFill>
-                        <a:latin typeface="+mn-lt"/>
-                        <a:ea typeface="+mn-ea"/>
-                        <a:cs typeface="+mn-cs"/>
-                      </a:endParaRPr>
-                    </a:p>
-                  </a:txBody>
-                  <a:tcPr/>
-                </a:tc>
-                <a:extLst>
-                  <a:ext uri="{0D108BD9-81ED-4DB2-BD59-A6C34878D82A}">
-                    <a16:rowId xmlns:a16="http://schemas.microsoft.com/office/drawing/2014/main" val="4643697"/>
-                  </a:ext>
-                </a:extLst>
-              </a:tr>
-              <a:tr h="420580">
-                <a:tc>
-                  <a:txBody>
-                    <a:bodyPr/>
-                    <a:lstStyle/>
-                    <a:p>
-                      <a:r>
-                        <a:rPr lang="en-US" sz="1400" kern="1200" dirty="0" smtClean="0">
-                          <a:solidFill>
-                            <a:schemeClr val="dk1"/>
-                          </a:solidFill>
-                          <a:effectLst/>
-                          <a:latin typeface="+mn-lt"/>
-                          <a:ea typeface="+mn-ea"/>
-                          <a:cs typeface="+mn-cs"/>
-                        </a:rPr>
-                        <a:t>using </a:t>
-                      </a:r>
-                      <a:r>
-                        <a:rPr lang="en-US" sz="1400" kern="1200" dirty="0" err="1" smtClean="0">
-                          <a:solidFill>
-                            <a:schemeClr val="dk1"/>
-                          </a:solidFill>
-                          <a:effectLst/>
-                          <a:latin typeface="+mn-lt"/>
-                          <a:ea typeface="+mn-ea"/>
-                          <a:cs typeface="+mn-cs"/>
-                        </a:rPr>
-                        <a:t>System.Collections.ObjectModel</a:t>
-                      </a:r>
-                      <a:r>
-                        <a:rPr lang="en-US" sz="1400" kern="1200" dirty="0" smtClean="0">
-                          <a:solidFill>
-                            <a:schemeClr val="dk1"/>
-                          </a:solidFill>
-                          <a:effectLst/>
-                          <a:latin typeface="+mn-lt"/>
-                          <a:ea typeface="+mn-ea"/>
-                          <a:cs typeface="+mn-cs"/>
-                        </a:rPr>
-                        <a:t>;</a:t>
-                      </a:r>
-                      <a:endParaRPr lang="en-US" sz="1400" kern="1200" dirty="0" smtClean="0">
-                        <a:solidFill>
-                          <a:schemeClr val="dk1"/>
-                        </a:solidFill>
-                        <a:effectLst/>
-                        <a:latin typeface="+mn-lt"/>
-                        <a:ea typeface="+mn-ea"/>
-                        <a:cs typeface="+mn-cs"/>
-                      </a:endParaRPr>
-                    </a:p>
-                  </a:txBody>
-                  <a:tcPr/>
-                </a:tc>
-                <a:tc>
-                  <a:txBody>
-                    <a:bodyPr/>
-                    <a:lstStyle/>
-                    <a:p>
-                      <a:r>
-                        <a:rPr lang="ru-RU" sz="1200" kern="1200" dirty="0" smtClean="0">
-                          <a:solidFill>
-                            <a:schemeClr val="dk1"/>
-                          </a:solidFill>
-                          <a:latin typeface="+mn-lt"/>
-                          <a:ea typeface="+mn-ea"/>
-                          <a:cs typeface="+mn-cs"/>
-                        </a:rPr>
-                        <a:t>Библиотека </a:t>
-                      </a:r>
-                      <a:r>
-                        <a:rPr lang="ru-RU" sz="1200" kern="1200" dirty="0" err="1" smtClean="0">
-                          <a:solidFill>
-                            <a:schemeClr val="dk1"/>
-                          </a:solidFill>
-                          <a:latin typeface="+mn-lt"/>
-                          <a:ea typeface="+mn-ea"/>
-                          <a:cs typeface="+mn-cs"/>
-                        </a:rPr>
-                        <a:t>System.Collections.ObjectModel</a:t>
-                      </a:r>
-                      <a:r>
-                        <a:rPr lang="ru-RU" sz="1200" kern="1200" dirty="0" smtClean="0">
-                          <a:solidFill>
-                            <a:schemeClr val="dk1"/>
-                          </a:solidFill>
-                          <a:latin typeface="+mn-lt"/>
-                          <a:ea typeface="+mn-ea"/>
-                          <a:cs typeface="+mn-cs"/>
-                        </a:rPr>
-                        <a:t> в C# предоставляет классы, которые используются для создания коллекций, поддерживающих уведомления об изменениях</a:t>
-                      </a:r>
-                      <a:endParaRPr lang="ru-RU" sz="1200" kern="1200" dirty="0">
-                        <a:solidFill>
-                          <a:schemeClr val="dk1"/>
-                        </a:solidFill>
-                        <a:latin typeface="+mn-lt"/>
-                        <a:ea typeface="+mn-ea"/>
-                        <a:cs typeface="+mn-cs"/>
-                      </a:endParaRPr>
-                    </a:p>
-                  </a:txBody>
-                  <a:tcPr/>
-                </a:tc>
-                <a:extLst>
-                  <a:ext uri="{0D108BD9-81ED-4DB2-BD59-A6C34878D82A}">
-                    <a16:rowId xmlns:a16="http://schemas.microsoft.com/office/drawing/2014/main" val="1270181759"/>
-                  </a:ext>
-                </a:extLst>
-              </a:tr>
-              <a:tr h="588812">
-                <a:tc>
-                  <a:txBody>
-                    <a:bodyPr/>
-                    <a:lstStyle/>
-                    <a:p>
-                      <a:r>
-                        <a:rPr lang="en-US" sz="1400" kern="1200" dirty="0" smtClean="0">
-                          <a:solidFill>
-                            <a:schemeClr val="dk1"/>
-                          </a:solidFill>
-                          <a:effectLst/>
-                          <a:latin typeface="+mn-lt"/>
-                          <a:ea typeface="+mn-ea"/>
-                          <a:cs typeface="+mn-cs"/>
-                        </a:rPr>
-                        <a:t>using </a:t>
-                      </a:r>
-                      <a:r>
-                        <a:rPr lang="en-US" sz="1400" kern="1200" dirty="0" err="1" smtClean="0">
-                          <a:solidFill>
-                            <a:schemeClr val="dk1"/>
-                          </a:solidFill>
-                          <a:effectLst/>
-                          <a:latin typeface="+mn-lt"/>
-                          <a:ea typeface="+mn-ea"/>
-                          <a:cs typeface="+mn-cs"/>
-                        </a:rPr>
-                        <a:t>System.Text</a:t>
-                      </a:r>
-                      <a:r>
-                        <a:rPr lang="en-US" sz="1400" kern="1200" dirty="0" smtClean="0">
-                          <a:solidFill>
-                            <a:schemeClr val="dk1"/>
-                          </a:solidFill>
-                          <a:effectLst/>
-                          <a:latin typeface="+mn-lt"/>
-                          <a:ea typeface="+mn-ea"/>
-                          <a:cs typeface="+mn-cs"/>
-                        </a:rPr>
-                        <a:t>;</a:t>
-                      </a:r>
-                      <a:endParaRPr lang="en-US" sz="1400" kern="1200" dirty="0" smtClean="0">
-                        <a:solidFill>
-                          <a:schemeClr val="dk1"/>
-                        </a:solidFill>
-                        <a:effectLst/>
-                        <a:latin typeface="+mn-lt"/>
-                        <a:ea typeface="+mn-ea"/>
-                        <a:cs typeface="+mn-cs"/>
-                      </a:endParaRPr>
-                    </a:p>
-                  </a:txBody>
-                  <a:tcPr/>
-                </a:tc>
-                <a:tc>
-                  <a:txBody>
-                    <a:bodyPr/>
-                    <a:lstStyle/>
-                    <a:p>
-                      <a:r>
-                        <a:rPr lang="ru-RU" sz="1200" kern="1200" dirty="0" smtClean="0">
-                          <a:solidFill>
-                            <a:schemeClr val="dk1"/>
-                          </a:solidFill>
-                          <a:latin typeface="+mn-lt"/>
-                          <a:ea typeface="+mn-ea"/>
-                          <a:cs typeface="+mn-cs"/>
-                        </a:rPr>
-                        <a:t>Предоставляет классы и методы для работы с кодировками символов и манипуляциями со строками</a:t>
-                      </a:r>
-                      <a:endParaRPr lang="ru-RU" sz="1200" kern="1200" dirty="0">
-                        <a:solidFill>
-                          <a:schemeClr val="dk1"/>
-                        </a:solidFill>
-                        <a:latin typeface="+mn-lt"/>
-                        <a:ea typeface="+mn-ea"/>
-                        <a:cs typeface="+mn-cs"/>
-                      </a:endParaRPr>
-                    </a:p>
-                  </a:txBody>
-                  <a:tcPr/>
-                </a:tc>
-                <a:extLst>
-                  <a:ext uri="{0D108BD9-81ED-4DB2-BD59-A6C34878D82A}">
-                    <a16:rowId xmlns:a16="http://schemas.microsoft.com/office/drawing/2014/main" val="2565011737"/>
-                  </a:ext>
-                </a:extLst>
-              </a:tr>
-              <a:tr h="420580">
-                <a:tc>
-                  <a:txBody>
-                    <a:bodyPr/>
-                    <a:lstStyle/>
-                    <a:p>
-                      <a:r>
-                        <a:rPr lang="en-US" sz="1400" kern="1200" dirty="0" smtClean="0">
-                          <a:solidFill>
-                            <a:schemeClr val="dk1"/>
-                          </a:solidFill>
-                          <a:effectLst/>
-                          <a:latin typeface="+mn-lt"/>
-                          <a:ea typeface="+mn-ea"/>
-                          <a:cs typeface="+mn-cs"/>
-                        </a:rPr>
-                        <a:t>using </a:t>
-                      </a:r>
-                      <a:r>
-                        <a:rPr lang="en-US" sz="1400" kern="1200" dirty="0" err="1" smtClean="0">
-                          <a:solidFill>
-                            <a:schemeClr val="dk1"/>
-                          </a:solidFill>
-                          <a:effectLst/>
-                          <a:latin typeface="+mn-lt"/>
-                          <a:ea typeface="+mn-ea"/>
-                          <a:cs typeface="+mn-cs"/>
-                        </a:rPr>
-                        <a:t>System.Linq</a:t>
-                      </a:r>
-                      <a:r>
-                        <a:rPr lang="en-US" sz="1400" kern="1200" dirty="0" smtClean="0">
-                          <a:solidFill>
-                            <a:schemeClr val="dk1"/>
-                          </a:solidFill>
-                          <a:effectLst/>
-                          <a:latin typeface="+mn-lt"/>
-                          <a:ea typeface="+mn-ea"/>
-                          <a:cs typeface="+mn-cs"/>
-                        </a:rPr>
-                        <a:t>;</a:t>
-                      </a:r>
-                      <a:endParaRPr lang="en-US" sz="1400" kern="1200" dirty="0" smtClean="0">
-                        <a:solidFill>
-                          <a:schemeClr val="dk1"/>
-                        </a:solidFill>
-                        <a:effectLst/>
-                        <a:latin typeface="+mn-lt"/>
-                        <a:ea typeface="+mn-ea"/>
-                        <a:cs typeface="+mn-cs"/>
-                      </a:endParaRPr>
-                    </a:p>
-                  </a:txBody>
-                  <a:tcPr/>
-                </a:tc>
-                <a:tc>
-                  <a:txBody>
-                    <a:bodyPr/>
-                    <a:lstStyle/>
-                    <a:p>
-                      <a:r>
-                        <a:rPr lang="ru-RU" sz="1200" kern="1200" dirty="0" smtClean="0">
-                          <a:solidFill>
-                            <a:schemeClr val="dk1"/>
-                          </a:solidFill>
-                          <a:latin typeface="+mn-lt"/>
-                          <a:ea typeface="+mn-ea"/>
-                          <a:cs typeface="+mn-cs"/>
-                        </a:rPr>
-                        <a:t>Предоставляет возможности для выполнения запросов к данным с использованием языка запросов, интегрированного в язык (LINQ)</a:t>
-                      </a:r>
-                      <a:endParaRPr lang="ru-RU" sz="1200" kern="1200" dirty="0">
-                        <a:solidFill>
-                          <a:schemeClr val="dk1"/>
-                        </a:solidFill>
-                        <a:latin typeface="+mn-lt"/>
-                        <a:ea typeface="+mn-ea"/>
-                        <a:cs typeface="+mn-cs"/>
-                      </a:endParaRPr>
-                    </a:p>
-                  </a:txBody>
-                  <a:tcPr/>
-                </a:tc>
-                <a:extLst>
-                  <a:ext uri="{0D108BD9-81ED-4DB2-BD59-A6C34878D82A}">
-                    <a16:rowId xmlns:a16="http://schemas.microsoft.com/office/drawing/2014/main" val="1003590360"/>
-                  </a:ext>
-                </a:extLst>
-              </a:tr>
-              <a:tr h="476657">
-                <a:tc>
-                  <a:txBody>
-                    <a:bodyPr/>
-                    <a:lstStyle/>
-                    <a:p>
-                      <a:r>
-                        <a:rPr lang="en-US" sz="1400" kern="1200" dirty="0" smtClean="0">
-                          <a:solidFill>
-                            <a:schemeClr val="dk1"/>
-                          </a:solidFill>
-                          <a:effectLst/>
-                          <a:latin typeface="+mn-lt"/>
-                          <a:ea typeface="+mn-ea"/>
-                          <a:cs typeface="+mn-cs"/>
-                        </a:rPr>
-                        <a:t>using </a:t>
-                      </a:r>
-                      <a:r>
-                        <a:rPr lang="en-US" sz="1400" kern="1200" dirty="0" err="1" smtClean="0">
-                          <a:solidFill>
-                            <a:schemeClr val="dk1"/>
-                          </a:solidFill>
-                          <a:effectLst/>
-                          <a:latin typeface="+mn-lt"/>
-                          <a:ea typeface="+mn-ea"/>
-                          <a:cs typeface="+mn-cs"/>
-                        </a:rPr>
-                        <a:t>System.Threading.Tasks</a:t>
-                      </a:r>
-                      <a:r>
-                        <a:rPr lang="en-US" sz="1400" kern="1200" dirty="0" smtClean="0">
-                          <a:solidFill>
-                            <a:schemeClr val="dk1"/>
-                          </a:solidFill>
-                          <a:effectLst/>
-                          <a:latin typeface="+mn-lt"/>
-                          <a:ea typeface="+mn-ea"/>
-                          <a:cs typeface="+mn-cs"/>
-                        </a:rPr>
-                        <a:t>;</a:t>
-                      </a:r>
-                      <a:endParaRPr lang="en-US" sz="1400" kern="1200" dirty="0" smtClean="0">
-                        <a:solidFill>
-                          <a:schemeClr val="dk1"/>
-                        </a:solidFill>
-                        <a:effectLst/>
-                        <a:latin typeface="+mn-lt"/>
-                        <a:ea typeface="+mn-ea"/>
-                        <a:cs typeface="+mn-cs"/>
-                      </a:endParaRPr>
                     </a:p>
                   </a:txBody>
                   <a:tcPr/>
@@ -4861,10 +4553,71 @@
                           <a:ea typeface="+mn-ea"/>
                           <a:cs typeface="+mn-cs"/>
                         </a:rPr>
-                        <a:t> </a:t>
+                        <a:t>Представляет набор обобщенных коллекций, которые позволяют разработчикам создавать строго типизированные коллекции. Это пространство имен включает в себя интерфейсы и классы</a:t>
+                      </a:r>
+                    </a:p>
+                  </a:txBody>
+                  <a:tcPr/>
+                </a:tc>
+                <a:extLst>
+                  <a:ext uri="{0D108BD9-81ED-4DB2-BD59-A6C34878D82A}">
+                    <a16:rowId xmlns:a16="http://schemas.microsoft.com/office/drawing/2014/main" val="4643697"/>
+                  </a:ext>
+                </a:extLst>
+              </a:tr>
+              <a:tr h="420580">
+                <a:tc>
+                  <a:txBody>
+                    <a:bodyPr/>
+                    <a:lstStyle/>
+                    <a:p>
+                      <a:r>
+                        <a:rPr lang="en-US" sz="1400" kern="1200" dirty="0">
+                          <a:solidFill>
+                            <a:schemeClr val="dk1"/>
+                          </a:solidFill>
+                          <a:effectLst/>
+                          <a:latin typeface="+mn-lt"/>
+                          <a:ea typeface="+mn-ea"/>
+                          <a:cs typeface="+mn-cs"/>
+                        </a:rPr>
+                        <a:t>using </a:t>
                       </a:r>
                       <a:r>
-                        <a:rPr lang="ru-RU" sz="1200" kern="1200" dirty="0" smtClean="0">
+                        <a:rPr lang="en-US" sz="1400" kern="1200" dirty="0" err="1">
+                          <a:solidFill>
+                            <a:schemeClr val="dk1"/>
+                          </a:solidFill>
+                          <a:effectLst/>
+                          <a:latin typeface="+mn-lt"/>
+                          <a:ea typeface="+mn-ea"/>
+                          <a:cs typeface="+mn-cs"/>
+                        </a:rPr>
+                        <a:t>System.Collections.ObjectModel</a:t>
+                      </a:r>
+                      <a:r>
+                        <a:rPr lang="en-US" sz="1400" kern="1200" dirty="0">
+                          <a:solidFill>
+                            <a:schemeClr val="dk1"/>
+                          </a:solidFill>
+                          <a:effectLst/>
+                          <a:latin typeface="+mn-lt"/>
+                          <a:ea typeface="+mn-ea"/>
+                          <a:cs typeface="+mn-cs"/>
+                        </a:rPr>
+                        <a:t>;</a:t>
+                      </a:r>
+                    </a:p>
+                  </a:txBody>
+                  <a:tcPr/>
+                </a:tc>
+                <a:tc>
+                  <a:txBody>
+                    <a:bodyPr/>
+                    <a:lstStyle/>
+                    <a:p>
+                      <a:r>
+                        <a:rPr lang="ru-RU" sz="1200" kern="1200" dirty="0">
                           <a:solidFill>
                             <a:schemeClr val="dk1"/>
                           </a:solidFill>
@@ -4872,16 +4625,246 @@
                           <a:ea typeface="+mn-ea"/>
                           <a:cs typeface="+mn-cs"/>
                         </a:rPr>
-                        <a:t>Предназначена для упрощения работы с асинхронным и параллельным программированием</a:t>
+                        <a:t>Библиотека </a:t>
                       </a:r>
-                      <a:endParaRPr lang="ru-RU" sz="1200" kern="1200" dirty="0">
-                        <a:solidFill>
-                          <a:schemeClr val="dk1"/>
-                        </a:solidFill>
-                        <a:latin typeface="+mn-lt"/>
-                        <a:ea typeface="+mn-ea"/>
-                        <a:cs typeface="+mn-cs"/>
-                      </a:endParaRPr>
+                      <a:r>
+                        <a:rPr lang="ru-RU" sz="1200" kern="1200" dirty="0" err="1">
+                          <a:solidFill>
+                            <a:schemeClr val="dk1"/>
+                          </a:solidFill>
+                          <a:latin typeface="+mn-lt"/>
+                          <a:ea typeface="+mn-ea"/>
+                          <a:cs typeface="+mn-cs"/>
+                        </a:rPr>
+                        <a:t>System.Collections.ObjectModel</a:t>
+                      </a:r>
+                      <a:r>
+                        <a:rPr lang="ru-RU" sz="1200" kern="1200" dirty="0">
+                          <a:solidFill>
+                            <a:schemeClr val="dk1"/>
+                          </a:solidFill>
+                          <a:latin typeface="+mn-lt"/>
+                          <a:ea typeface="+mn-ea"/>
+                          <a:cs typeface="+mn-cs"/>
+                        </a:rPr>
+                        <a:t> в C# предоставляет классы, которые используются для создания коллекций, поддерживающих уведомления об изменениях</a:t>
+                      </a:r>
+                    </a:p>
+                  </a:txBody>
+                  <a:tcPr/>
+                </a:tc>
+                <a:extLst>
+                  <a:ext uri="{0D108BD9-81ED-4DB2-BD59-A6C34878D82A}">
+                    <a16:rowId xmlns:a16="http://schemas.microsoft.com/office/drawing/2014/main" val="1270181759"/>
+                  </a:ext>
+                </a:extLst>
+              </a:tr>
+              <a:tr h="588812">
+                <a:tc>
+                  <a:txBody>
+                    <a:bodyPr/>
+                    <a:lstStyle/>
+                    <a:p>
+                      <a:r>
+                        <a:rPr lang="en-US" sz="1400" kern="1200" dirty="0">
+                          <a:solidFill>
+                            <a:schemeClr val="dk1"/>
+                          </a:solidFill>
+                          <a:effectLst/>
+                          <a:latin typeface="+mn-lt"/>
+                          <a:ea typeface="+mn-ea"/>
+                          <a:cs typeface="+mn-cs"/>
+                        </a:rPr>
+                        <a:t>using </a:t>
+                      </a:r>
+                      <a:r>
+                        <a:rPr lang="en-US" sz="1400" kern="1200" dirty="0" err="1">
+                          <a:solidFill>
+                            <a:schemeClr val="dk1"/>
+                          </a:solidFill>
+                          <a:effectLst/>
+                          <a:latin typeface="+mn-lt"/>
+                          <a:ea typeface="+mn-ea"/>
+                          <a:cs typeface="+mn-cs"/>
+                        </a:rPr>
+                        <a:t>System.Text</a:t>
+                      </a:r>
+                      <a:r>
+                        <a:rPr lang="en-US" sz="1400" kern="1200" dirty="0">
+                          <a:solidFill>
+                            <a:schemeClr val="dk1"/>
+                          </a:solidFill>
+                          <a:effectLst/>
+                          <a:latin typeface="+mn-lt"/>
+                          <a:ea typeface="+mn-ea"/>
+                          <a:cs typeface="+mn-cs"/>
+                        </a:rPr>
+                        <a:t>;</a:t>
+                      </a:r>
+                    </a:p>
+                  </a:txBody>
+                  <a:tcPr/>
+                </a:tc>
+                <a:tc>
+                  <a:txBody>
+                    <a:bodyPr/>
+                    <a:lstStyle/>
+                    <a:p>
+                      <a:r>
+                        <a:rPr lang="ru-RU" sz="1200" kern="1200" dirty="0">
+                          <a:solidFill>
+                            <a:schemeClr val="dk1"/>
+                          </a:solidFill>
+                          <a:latin typeface="+mn-lt"/>
+                          <a:ea typeface="+mn-ea"/>
+                          <a:cs typeface="+mn-cs"/>
+                        </a:rPr>
+                        <a:t>Предоставляет классы и методы для работы с кодировками символов и манипуляциями со строками</a:t>
+                      </a:r>
+                    </a:p>
+                  </a:txBody>
+                  <a:tcPr/>
+                </a:tc>
+                <a:extLst>
+                  <a:ext uri="{0D108BD9-81ED-4DB2-BD59-A6C34878D82A}">
+                    <a16:rowId xmlns:a16="http://schemas.microsoft.com/office/drawing/2014/main" val="2565011737"/>
+                  </a:ext>
+                </a:extLst>
+              </a:tr>
+              <a:tr h="420580">
+                <a:tc>
+                  <a:txBody>
+                    <a:bodyPr/>
+                    <a:lstStyle/>
+                    <a:p>
+                      <a:r>
+                        <a:rPr lang="en-US" sz="1400" kern="1200" dirty="0">
+                          <a:solidFill>
+                            <a:schemeClr val="dk1"/>
+                          </a:solidFill>
+                          <a:effectLst/>
+                          <a:latin typeface="+mn-lt"/>
+                          <a:ea typeface="+mn-ea"/>
+                          <a:cs typeface="+mn-cs"/>
+                        </a:rPr>
+                        <a:t>using </a:t>
+                      </a:r>
+                      <a:r>
+                        <a:rPr lang="en-US" sz="1400" kern="1200" dirty="0" err="1">
+                          <a:solidFill>
+                            <a:schemeClr val="dk1"/>
+                          </a:solidFill>
+                          <a:effectLst/>
+                          <a:latin typeface="+mn-lt"/>
+                          <a:ea typeface="+mn-ea"/>
+                          <a:cs typeface="+mn-cs"/>
+                        </a:rPr>
+                        <a:t>System.Linq</a:t>
+                      </a:r>
+                      <a:r>
+                        <a:rPr lang="en-US" sz="1400" kern="1200" dirty="0">
+                          <a:solidFill>
+                            <a:schemeClr val="dk1"/>
+                          </a:solidFill>
+                          <a:effectLst/>
+                          <a:latin typeface="+mn-lt"/>
+                          <a:ea typeface="+mn-ea"/>
+                          <a:cs typeface="+mn-cs"/>
+                        </a:rPr>
+                        <a:t>;</a:t>
+                      </a:r>
+                    </a:p>
+                  </a:txBody>
+                  <a:tcPr/>
+                </a:tc>
+                <a:tc>
+                  <a:txBody>
+                    <a:bodyPr/>
+                    <a:lstStyle/>
+                    <a:p>
+                      <a:r>
+                        <a:rPr lang="ru-RU" sz="1200" kern="1200" dirty="0">
+                          <a:solidFill>
+                            <a:schemeClr val="dk1"/>
+                          </a:solidFill>
+                          <a:latin typeface="+mn-lt"/>
+                          <a:ea typeface="+mn-ea"/>
+                          <a:cs typeface="+mn-cs"/>
+                        </a:rPr>
+                        <a:t>Предоставляет возможности для выполнения запросов к данным с использованием языка запросов, интегрированного в язык (LINQ)</a:t>
+                      </a:r>
+                    </a:p>
+                  </a:txBody>
+                  <a:tcPr/>
+                </a:tc>
+                <a:extLst>
+                  <a:ext uri="{0D108BD9-81ED-4DB2-BD59-A6C34878D82A}">
+                    <a16:rowId xmlns:a16="http://schemas.microsoft.com/office/drawing/2014/main" val="1003590360"/>
+                  </a:ext>
+                </a:extLst>
+              </a:tr>
+              <a:tr h="476657">
+                <a:tc>
+                  <a:txBody>
+                    <a:bodyPr/>
+                    <a:lstStyle/>
+                    <a:p>
+                      <a:r>
+                        <a:rPr lang="en-US" sz="1400" kern="1200" dirty="0">
+                          <a:solidFill>
+                            <a:schemeClr val="dk1"/>
+                          </a:solidFill>
+                          <a:effectLst/>
+                          <a:latin typeface="+mn-lt"/>
+                          <a:ea typeface="+mn-ea"/>
+                          <a:cs typeface="+mn-cs"/>
+                        </a:rPr>
+                        <a:t>using </a:t>
+                      </a:r>
+                      <a:r>
+                        <a:rPr lang="en-US" sz="1400" kern="1200" dirty="0" err="1">
+                          <a:solidFill>
+                            <a:schemeClr val="dk1"/>
+                          </a:solidFill>
+                          <a:effectLst/>
+                          <a:latin typeface="+mn-lt"/>
+                          <a:ea typeface="+mn-ea"/>
+                          <a:cs typeface="+mn-cs"/>
+                        </a:rPr>
+                        <a:t>System.Threading.Tasks</a:t>
+                      </a:r>
+                      <a:r>
+                        <a:rPr lang="en-US" sz="1400" kern="1200" dirty="0">
+                          <a:solidFill>
+                            <a:schemeClr val="dk1"/>
+                          </a:solidFill>
+                          <a:effectLst/>
+                          <a:latin typeface="+mn-lt"/>
+                          <a:ea typeface="+mn-ea"/>
+                          <a:cs typeface="+mn-cs"/>
+                        </a:rPr>
+                        <a:t>;</a:t>
+                      </a:r>
+                    </a:p>
+                  </a:txBody>
+                  <a:tcPr/>
+                </a:tc>
+                <a:tc>
+                  <a:txBody>
+                    <a:bodyPr/>
+                    <a:lstStyle/>
+                    <a:p>
+                      <a:r>
+                        <a:rPr lang="ru-RU" sz="1200" kern="1200" dirty="0">
+                          <a:solidFill>
+                            <a:schemeClr val="dk1"/>
+                          </a:solidFill>
+                          <a:latin typeface="+mn-lt"/>
+                          <a:ea typeface="+mn-ea"/>
+                          <a:cs typeface="+mn-cs"/>
+                        </a:rPr>
+                        <a:t> Предназначена для упрощения работы с асинхронным и параллельным программированием</a:t>
+                      </a:r>
                     </a:p>
                   </a:txBody>
                   <a:tcPr/>
@@ -4899,7 +4882,7 @@
                     <a:lstStyle/>
                     <a:p>
                       <a:r>
-                        <a:rPr lang="en-US" sz="1400" kern="1200" dirty="0" smtClean="0">
+                        <a:rPr lang="en-US" sz="1400" kern="1200" dirty="0">
                           <a:solidFill>
                             <a:schemeClr val="dk1"/>
                           </a:solidFill>
@@ -4911,7 +4894,7 @@
                         <a:t>using </a:t>
                       </a:r>
                       <a:r>
-                        <a:rPr lang="en-US" sz="1400" kern="1200" dirty="0" err="1" smtClean="0">
+                        <a:rPr lang="en-US" sz="1400" kern="1200" dirty="0" err="1">
                           <a:solidFill>
                             <a:schemeClr val="dk1"/>
                           </a:solidFill>
@@ -4923,7 +4906,7 @@
                         <a:t>Xamarin.Forms</a:t>
                       </a:r>
                       <a:r>
-                        <a:rPr lang="en-US" sz="1400" kern="1200" dirty="0" smtClean="0">
+                        <a:rPr lang="en-US" sz="1400" kern="1200" dirty="0">
                           <a:solidFill>
                             <a:schemeClr val="dk1"/>
                           </a:solidFill>
@@ -4934,15 +4917,6 @@
                         </a:rPr>
                         <a:t>;</a:t>
                       </a:r>
-                      <a:endParaRPr lang="en-US" sz="1400" kern="1200" dirty="0" smtClean="0">
-                        <a:solidFill>
-                          <a:schemeClr val="dk1"/>
-                        </a:solidFill>
-                        <a:effectLst/>
-                        <a:latin typeface="+mn-lt"/>
-                        <a:ea typeface="+mn-ea"/>
-                        <a:cs typeface="+mn-cs"/>
-                      </a:endParaRPr>
                     </a:p>
                   </a:txBody>
                   <a:tcPr/>
@@ -4953,7 +4927,7 @@
                     <a:lstStyle/>
                     <a:p>
                       <a:r>
-                        <a:rPr lang="ru-RU" sz="1200" kern="1200" dirty="0" smtClean="0">
+                        <a:rPr lang="ru-RU" sz="1200" kern="1200" dirty="0">
                           <a:solidFill>
                             <a:schemeClr val="dk1"/>
                           </a:solidFill>
@@ -4963,14 +4937,6 @@
                         </a:rPr>
                         <a:t>Предназначена для разработки кроссплатформенных мобильных приложений с использованием единого кода на C#</a:t>
                       </a:r>
-                      <a:endParaRPr lang="ru-RU" sz="1200" kern="1200" dirty="0">
-                        <a:solidFill>
-                          <a:schemeClr val="dk1"/>
-                        </a:solidFill>
-                        <a:latin typeface="+mn-lt"/>
-                        <a:ea typeface="+mn-ea"/>
-                        <a:cs typeface="+mn-cs"/>
-                      </a:endParaRPr>
                     </a:p>
                   </a:txBody>
                   <a:tcPr/>
@@ -4988,7 +4954,7 @@
                     <a:lstStyle/>
                     <a:p>
                       <a:r>
-                        <a:rPr lang="en-US" sz="1400" kern="1200" dirty="0" smtClean="0">
+                        <a:rPr lang="en-US" sz="1400" kern="1200" dirty="0">
                           <a:solidFill>
                             <a:schemeClr val="dk1"/>
                           </a:solidFill>
@@ -5000,7 +4966,7 @@
                         <a:t>using </a:t>
                       </a:r>
                       <a:r>
-                        <a:rPr lang="en-US" sz="1400" kern="1200" dirty="0" err="1" smtClean="0">
+                        <a:rPr lang="en-US" sz="1400" kern="1200" dirty="0" err="1">
                           <a:solidFill>
                             <a:schemeClr val="dk1"/>
                           </a:solidFill>
@@ -5012,7 +4978,7 @@
                         <a:t>Xamarin.Forms.Xaml</a:t>
                       </a:r>
                       <a:r>
-                        <a:rPr lang="en-US" sz="1400" kern="1200" dirty="0" smtClean="0">
+                        <a:rPr lang="en-US" sz="1400" kern="1200" dirty="0">
                           <a:solidFill>
                             <a:schemeClr val="dk1"/>
                           </a:solidFill>
@@ -5042,7 +5008,7 @@
                     <a:lstStyle/>
                     <a:p>
                       <a:r>
-                        <a:rPr lang="ru-RU" sz="1200" kern="1200" dirty="0" smtClean="0">
+                        <a:rPr lang="ru-RU" sz="1200" kern="1200" dirty="0">
                           <a:solidFill>
                             <a:schemeClr val="dk1"/>
                           </a:solidFill>
@@ -5053,7 +5019,7 @@
                         <a:t>Предназначена для работы с XAML (</a:t>
                       </a:r>
                       <a:r>
-                        <a:rPr lang="ru-RU" sz="1200" kern="1200" dirty="0" err="1" smtClean="0">
+                        <a:rPr lang="ru-RU" sz="1200" kern="1200" dirty="0" err="1">
                           <a:solidFill>
                             <a:schemeClr val="dk1"/>
                           </a:solidFill>
@@ -5064,7 +5030,7 @@
                         <a:t>eXtensible</a:t>
                       </a:r>
                       <a:r>
-                        <a:rPr lang="ru-RU" sz="1200" kern="1200" dirty="0" smtClean="0">
+                        <a:rPr lang="ru-RU" sz="1200" kern="1200" dirty="0">
                           <a:solidFill>
                             <a:schemeClr val="dk1"/>
                           </a:solidFill>
@@ -5075,7 +5041,7 @@
                         <a:t> </a:t>
                       </a:r>
                       <a:r>
-                        <a:rPr lang="ru-RU" sz="1200" kern="1200" dirty="0" err="1" smtClean="0">
+                        <a:rPr lang="ru-RU" sz="1200" kern="1200" dirty="0" err="1">
                           <a:solidFill>
                             <a:schemeClr val="dk1"/>
                           </a:solidFill>
@@ -5086,7 +5052,7 @@
                         <a:t>Application</a:t>
                       </a:r>
                       <a:r>
-                        <a:rPr lang="ru-RU" sz="1200" kern="1200" dirty="0" smtClean="0">
+                        <a:rPr lang="ru-RU" sz="1200" kern="1200" dirty="0">
                           <a:solidFill>
                             <a:schemeClr val="dk1"/>
                           </a:solidFill>
@@ -5097,7 +5063,7 @@
                         <a:t> </a:t>
                       </a:r>
                       <a:r>
-                        <a:rPr lang="ru-RU" sz="1200" kern="1200" dirty="0" err="1" smtClean="0">
+                        <a:rPr lang="ru-RU" sz="1200" kern="1200" dirty="0" err="1">
                           <a:solidFill>
                             <a:schemeClr val="dk1"/>
                           </a:solidFill>
@@ -5108,7 +5074,7 @@
                         <a:t>Markup</a:t>
                       </a:r>
                       <a:r>
-                        <a:rPr lang="ru-RU" sz="1200" kern="1200" dirty="0" smtClean="0">
+                        <a:rPr lang="ru-RU" sz="1200" kern="1200" dirty="0">
                           <a:solidFill>
                             <a:schemeClr val="dk1"/>
                           </a:solidFill>
@@ -5119,7 +5085,7 @@
                         <a:t> </a:t>
                       </a:r>
                       <a:r>
-                        <a:rPr lang="ru-RU" sz="1200" kern="1200" dirty="0" err="1" smtClean="0">
+                        <a:rPr lang="ru-RU" sz="1200" kern="1200" dirty="0" err="1">
                           <a:solidFill>
                             <a:schemeClr val="dk1"/>
                           </a:solidFill>
@@ -5130,7 +5096,7 @@
                         <a:t>Language</a:t>
                       </a:r>
                       <a:r>
-                        <a:rPr lang="ru-RU" sz="1200" kern="1200" dirty="0" smtClean="0">
+                        <a:rPr lang="ru-RU" sz="1200" kern="1200" dirty="0">
                           <a:solidFill>
                             <a:schemeClr val="dk1"/>
                           </a:solidFill>
@@ -5141,7 +5107,7 @@
                         <a:t>) в приложениях, разработанных с использованием </a:t>
                       </a:r>
                       <a:r>
-                        <a:rPr lang="ru-RU" sz="1200" kern="1200" dirty="0" err="1" smtClean="0">
+                        <a:rPr lang="ru-RU" sz="1200" kern="1200" dirty="0" err="1">
                           <a:solidFill>
                             <a:schemeClr val="dk1"/>
                           </a:solidFill>
